--- a/JS06_DESIGNER/DESIGNER/GMAIL.pptx
+++ b/JS06_DESIGNER/DESIGNER/GMAIL.pptx
@@ -243,7 +243,7 @@
           <a:p>
             <a:fld id="{7CEB05DF-3770-4397-A8E7-6502430F8592}" type="datetimeFigureOut">
               <a:rPr lang="en-US" smtClean="0"/>
-              <a:t>11-Sep-24</a:t>
+              <a:t>13-Sep-24</a:t>
             </a:fld>
             <a:endParaRPr lang="en-US"/>
           </a:p>
@@ -413,7 +413,7 @@
           <a:p>
             <a:fld id="{7CEB05DF-3770-4397-A8E7-6502430F8592}" type="datetimeFigureOut">
               <a:rPr lang="en-US" smtClean="0"/>
-              <a:t>11-Sep-24</a:t>
+              <a:t>13-Sep-24</a:t>
             </a:fld>
             <a:endParaRPr lang="en-US"/>
           </a:p>
@@ -593,7 +593,7 @@
           <a:p>
             <a:fld id="{7CEB05DF-3770-4397-A8E7-6502430F8592}" type="datetimeFigureOut">
               <a:rPr lang="en-US" smtClean="0"/>
-              <a:t>11-Sep-24</a:t>
+              <a:t>13-Sep-24</a:t>
             </a:fld>
             <a:endParaRPr lang="en-US"/>
           </a:p>
@@ -763,7 +763,7 @@
           <a:p>
             <a:fld id="{7CEB05DF-3770-4397-A8E7-6502430F8592}" type="datetimeFigureOut">
               <a:rPr lang="en-US" smtClean="0"/>
-              <a:t>11-Sep-24</a:t>
+              <a:t>13-Sep-24</a:t>
             </a:fld>
             <a:endParaRPr lang="en-US"/>
           </a:p>
@@ -1009,7 +1009,7 @@
           <a:p>
             <a:fld id="{7CEB05DF-3770-4397-A8E7-6502430F8592}" type="datetimeFigureOut">
               <a:rPr lang="en-US" smtClean="0"/>
-              <a:t>11-Sep-24</a:t>
+              <a:t>13-Sep-24</a:t>
             </a:fld>
             <a:endParaRPr lang="en-US"/>
           </a:p>
@@ -1241,7 +1241,7 @@
           <a:p>
             <a:fld id="{7CEB05DF-3770-4397-A8E7-6502430F8592}" type="datetimeFigureOut">
               <a:rPr lang="en-US" smtClean="0"/>
-              <a:t>11-Sep-24</a:t>
+              <a:t>13-Sep-24</a:t>
             </a:fld>
             <a:endParaRPr lang="en-US"/>
           </a:p>
@@ -1608,7 +1608,7 @@
           <a:p>
             <a:fld id="{7CEB05DF-3770-4397-A8E7-6502430F8592}" type="datetimeFigureOut">
               <a:rPr lang="en-US" smtClean="0"/>
-              <a:t>11-Sep-24</a:t>
+              <a:t>13-Sep-24</a:t>
             </a:fld>
             <a:endParaRPr lang="en-US"/>
           </a:p>
@@ -1726,7 +1726,7 @@
           <a:p>
             <a:fld id="{7CEB05DF-3770-4397-A8E7-6502430F8592}" type="datetimeFigureOut">
               <a:rPr lang="en-US" smtClean="0"/>
-              <a:t>11-Sep-24</a:t>
+              <a:t>13-Sep-24</a:t>
             </a:fld>
             <a:endParaRPr lang="en-US"/>
           </a:p>
@@ -1821,7 +1821,7 @@
           <a:p>
             <a:fld id="{7CEB05DF-3770-4397-A8E7-6502430F8592}" type="datetimeFigureOut">
               <a:rPr lang="en-US" smtClean="0"/>
-              <a:t>11-Sep-24</a:t>
+              <a:t>13-Sep-24</a:t>
             </a:fld>
             <a:endParaRPr lang="en-US"/>
           </a:p>
@@ -2098,7 +2098,7 @@
           <a:p>
             <a:fld id="{7CEB05DF-3770-4397-A8E7-6502430F8592}" type="datetimeFigureOut">
               <a:rPr lang="en-US" smtClean="0"/>
-              <a:t>11-Sep-24</a:t>
+              <a:t>13-Sep-24</a:t>
             </a:fld>
             <a:endParaRPr lang="en-US"/>
           </a:p>
@@ -2351,7 +2351,7 @@
           <a:p>
             <a:fld id="{7CEB05DF-3770-4397-A8E7-6502430F8592}" type="datetimeFigureOut">
               <a:rPr lang="en-US" smtClean="0"/>
-              <a:t>11-Sep-24</a:t>
+              <a:t>13-Sep-24</a:t>
             </a:fld>
             <a:endParaRPr lang="en-US"/>
           </a:p>
@@ -2564,7 +2564,7 @@
           <a:p>
             <a:fld id="{7CEB05DF-3770-4397-A8E7-6502430F8592}" type="datetimeFigureOut">
               <a:rPr lang="en-US" smtClean="0"/>
-              <a:t>11-Sep-24</a:t>
+              <a:t>13-Sep-24</a:t>
             </a:fld>
             <a:endParaRPr lang="en-US"/>
           </a:p>
@@ -2991,7 +2991,7 @@
           </p:nvSpPr>
           <p:spPr>
             <a:xfrm>
-              <a:off x="4761304" y="2119436"/>
+              <a:off x="4761306" y="2119436"/>
               <a:ext cx="1608133" cy="923330"/>
             </a:xfrm>
             <a:prstGeom prst="rect">
@@ -3022,7 +3022,7 @@
                   </a:solidFill>
                   <a:effectLst/>
                 </a:rPr>
-                <a:t>KT07</a:t>
+                <a:t>KT03</a:t>
               </a:r>
               <a:endParaRPr lang="en-US" sz="5400" b="1" cap="none" spc="0" dirty="0">
                 <a:ln w="22225">

--- a/JS06_DESIGNER/DESIGNER/GMAIL.pptx
+++ b/JS06_DESIGNER/DESIGNER/GMAIL.pptx
@@ -243,7 +243,7 @@
           <a:p>
             <a:fld id="{7CEB05DF-3770-4397-A8E7-6502430F8592}" type="datetimeFigureOut">
               <a:rPr lang="en-US" smtClean="0"/>
-              <a:t>13-Sep-24</a:t>
+              <a:t>23-Nov-24</a:t>
             </a:fld>
             <a:endParaRPr lang="en-US"/>
           </a:p>
@@ -413,7 +413,7 @@
           <a:p>
             <a:fld id="{7CEB05DF-3770-4397-A8E7-6502430F8592}" type="datetimeFigureOut">
               <a:rPr lang="en-US" smtClean="0"/>
-              <a:t>13-Sep-24</a:t>
+              <a:t>23-Nov-24</a:t>
             </a:fld>
             <a:endParaRPr lang="en-US"/>
           </a:p>
@@ -593,7 +593,7 @@
           <a:p>
             <a:fld id="{7CEB05DF-3770-4397-A8E7-6502430F8592}" type="datetimeFigureOut">
               <a:rPr lang="en-US" smtClean="0"/>
-              <a:t>13-Sep-24</a:t>
+              <a:t>23-Nov-24</a:t>
             </a:fld>
             <a:endParaRPr lang="en-US"/>
           </a:p>
@@ -763,7 +763,7 @@
           <a:p>
             <a:fld id="{7CEB05DF-3770-4397-A8E7-6502430F8592}" type="datetimeFigureOut">
               <a:rPr lang="en-US" smtClean="0"/>
-              <a:t>13-Sep-24</a:t>
+              <a:t>23-Nov-24</a:t>
             </a:fld>
             <a:endParaRPr lang="en-US"/>
           </a:p>
@@ -1009,7 +1009,7 @@
           <a:p>
             <a:fld id="{7CEB05DF-3770-4397-A8E7-6502430F8592}" type="datetimeFigureOut">
               <a:rPr lang="en-US" smtClean="0"/>
-              <a:t>13-Sep-24</a:t>
+              <a:t>23-Nov-24</a:t>
             </a:fld>
             <a:endParaRPr lang="en-US"/>
           </a:p>
@@ -1241,7 +1241,7 @@
           <a:p>
             <a:fld id="{7CEB05DF-3770-4397-A8E7-6502430F8592}" type="datetimeFigureOut">
               <a:rPr lang="en-US" smtClean="0"/>
-              <a:t>13-Sep-24</a:t>
+              <a:t>23-Nov-24</a:t>
             </a:fld>
             <a:endParaRPr lang="en-US"/>
           </a:p>
@@ -1608,7 +1608,7 @@
           <a:p>
             <a:fld id="{7CEB05DF-3770-4397-A8E7-6502430F8592}" type="datetimeFigureOut">
               <a:rPr lang="en-US" smtClean="0"/>
-              <a:t>13-Sep-24</a:t>
+              <a:t>23-Nov-24</a:t>
             </a:fld>
             <a:endParaRPr lang="en-US"/>
           </a:p>
@@ -1726,7 +1726,7 @@
           <a:p>
             <a:fld id="{7CEB05DF-3770-4397-A8E7-6502430F8592}" type="datetimeFigureOut">
               <a:rPr lang="en-US" smtClean="0"/>
-              <a:t>13-Sep-24</a:t>
+              <a:t>23-Nov-24</a:t>
             </a:fld>
             <a:endParaRPr lang="en-US"/>
           </a:p>
@@ -1821,7 +1821,7 @@
           <a:p>
             <a:fld id="{7CEB05DF-3770-4397-A8E7-6502430F8592}" type="datetimeFigureOut">
               <a:rPr lang="en-US" smtClean="0"/>
-              <a:t>13-Sep-24</a:t>
+              <a:t>23-Nov-24</a:t>
             </a:fld>
             <a:endParaRPr lang="en-US"/>
           </a:p>
@@ -2098,7 +2098,7 @@
           <a:p>
             <a:fld id="{7CEB05DF-3770-4397-A8E7-6502430F8592}" type="datetimeFigureOut">
               <a:rPr lang="en-US" smtClean="0"/>
-              <a:t>13-Sep-24</a:t>
+              <a:t>23-Nov-24</a:t>
             </a:fld>
             <a:endParaRPr lang="en-US"/>
           </a:p>
@@ -2351,7 +2351,7 @@
           <a:p>
             <a:fld id="{7CEB05DF-3770-4397-A8E7-6502430F8592}" type="datetimeFigureOut">
               <a:rPr lang="en-US" smtClean="0"/>
-              <a:t>13-Sep-24</a:t>
+              <a:t>23-Nov-24</a:t>
             </a:fld>
             <a:endParaRPr lang="en-US"/>
           </a:p>
@@ -2564,7 +2564,7 @@
           <a:p>
             <a:fld id="{7CEB05DF-3770-4397-A8E7-6502430F8592}" type="datetimeFigureOut">
               <a:rPr lang="en-US" smtClean="0"/>
-              <a:t>13-Sep-24</a:t>
+              <a:t>23-Nov-24</a:t>
             </a:fld>
             <a:endParaRPr lang="en-US"/>
           </a:p>
@@ -2977,10 +2977,10 @@
         </p:nvGrpSpPr>
         <p:grpSpPr>
           <a:xfrm>
-            <a:off x="5027815" y="2360815"/>
-            <a:ext cx="2136371" cy="2136371"/>
-            <a:chOff x="4497185" y="1512916"/>
-            <a:chExt cx="2136371" cy="2136371"/>
+            <a:off x="5009007" y="2360815"/>
+            <a:ext cx="2173993" cy="2136371"/>
+            <a:chOff x="4478377" y="1512916"/>
+            <a:chExt cx="2173993" cy="2136371"/>
           </a:xfrm>
         </p:grpSpPr>
         <p:sp>
@@ -2991,8 +2991,8 @@
           </p:nvSpPr>
           <p:spPr>
             <a:xfrm>
-              <a:off x="4761306" y="2119436"/>
-              <a:ext cx="1608133" cy="923330"/>
+              <a:off x="4478377" y="2119436"/>
+              <a:ext cx="2173993" cy="923330"/>
             </a:xfrm>
             <a:prstGeom prst="rect">
               <a:avLst/>
@@ -3007,7 +3007,7 @@
             <a:p>
               <a:pPr algn="ctr"/>
               <a:r>
-                <a:rPr lang="en-US" sz="5400" b="1" cap="none" spc="0" dirty="0" smtClean="0">
+                <a:rPr lang="en-US" sz="5400" b="1" cap="none" spc="0" smtClean="0">
                   <a:ln w="22225">
                     <a:solidFill>
                       <a:schemeClr val="accent2"/>
@@ -3022,7 +3022,7 @@
                   </a:solidFill>
                   <a:effectLst/>
                 </a:rPr>
-                <a:t>KT03</a:t>
+                <a:t>BSHOP</a:t>
               </a:r>
               <a:endParaRPr lang="en-US" sz="5400" b="1" cap="none" spc="0" dirty="0">
                 <a:ln w="22225">
